--- a/hospital-oa/src/main/webapp/WEB-INF/attach/help.pptx
+++ b/hospital-oa/src/main/webapp/WEB-INF/attach/help.pptx
@@ -4538,7 +4538,7 @@
           <a:p>
             <a:fld id="{29F6C122-0261-4027-94F2-F994BAF30365}" type="datetimeFigureOut">
               <a:rPr lang="zh-CN" altLang="en-US" smtClean="0"/>
-              <a:t>2017/3/1</a:t>
+              <a:t>2017/3/6</a:t>
             </a:fld>
             <a:endParaRPr lang="zh-CN" altLang="en-US"/>
           </a:p>
@@ -5176,7 +5176,7 @@
           <a:p>
             <a:fld id="{3F8D9613-2E49-4ECD-BC2E-F2BA91071D2B}" type="datetime1">
               <a:rPr lang="zh-CN" altLang="en-US" smtClean="0"/>
-              <a:t>2017/3/1</a:t>
+              <a:t>2017/3/6</a:t>
             </a:fld>
             <a:endParaRPr lang="zh-CN" altLang="en-US"/>
           </a:p>
@@ -5281,7 +5281,7 @@
           <a:p>
             <a:fld id="{25F72C40-E0B6-4A91-8ABB-458EDEA68016}" type="datetime1">
               <a:rPr lang="zh-CN" altLang="en-US" smtClean="0"/>
-              <a:t>2017/3/1</a:t>
+              <a:t>2017/3/6</a:t>
             </a:fld>
             <a:endParaRPr lang="zh-CN" altLang="en-US"/>
           </a:p>
@@ -5379,7 +5379,7 @@
           <a:p>
             <a:fld id="{E7DE785C-7A1C-4E17-8620-A79E969E8E1A}" type="datetime1">
               <a:rPr lang="zh-CN" altLang="en-US" smtClean="0"/>
-              <a:t>2017/3/1</a:t>
+              <a:t>2017/3/6</a:t>
             </a:fld>
             <a:endParaRPr lang="zh-CN" altLang="en-US"/>
           </a:p>
@@ -5477,7 +5477,7 @@
           <a:p>
             <a:fld id="{3C1A59BC-05D9-4AD5-89B4-686FEEB7AACE}" type="datetime1">
               <a:rPr lang="zh-CN" altLang="en-US" smtClean="0"/>
-              <a:t>2017/3/1</a:t>
+              <a:t>2017/3/6</a:t>
             </a:fld>
             <a:endParaRPr lang="zh-CN" altLang="en-US"/>
           </a:p>
@@ -5582,7 +5582,7 @@
           <a:p>
             <a:fld id="{8988F227-D819-4781-ABD6-F5D84C11856A}" type="datetime1">
               <a:rPr lang="zh-CN" altLang="en-US" smtClean="0"/>
-              <a:t>2017/3/1</a:t>
+              <a:t>2017/3/6</a:t>
             </a:fld>
             <a:endParaRPr lang="zh-CN" altLang="en-US"/>
           </a:p>
@@ -5680,7 +5680,7 @@
           <a:p>
             <a:fld id="{A60047EF-EFB5-42BC-8AE2-DADAE7CE1BD5}" type="datetime1">
               <a:rPr lang="zh-CN" altLang="en-US" smtClean="0"/>
-              <a:t>2017/3/1</a:t>
+              <a:t>2017/3/6</a:t>
             </a:fld>
             <a:endParaRPr lang="zh-CN" altLang="en-US"/>
           </a:p>
@@ -5778,7 +5778,7 @@
           <a:p>
             <a:fld id="{4A622BCF-F5AE-4FF7-BCCA-C175E07A82A9}" type="datetime1">
               <a:rPr lang="zh-CN" altLang="en-US" smtClean="0"/>
-              <a:t>2017/3/1</a:t>
+              <a:t>2017/3/6</a:t>
             </a:fld>
             <a:endParaRPr lang="zh-CN" altLang="en-US"/>
           </a:p>
@@ -5876,7 +5876,7 @@
           <a:p>
             <a:fld id="{0344E97D-5B92-45AA-9603-3C6A1F4705EC}" type="datetime1">
               <a:rPr lang="zh-CN" altLang="en-US" smtClean="0"/>
-              <a:t>2017/3/1</a:t>
+              <a:t>2017/3/6</a:t>
             </a:fld>
             <a:endParaRPr lang="zh-CN" altLang="en-US"/>
           </a:p>
@@ -5974,7 +5974,7 @@
           <a:p>
             <a:fld id="{445773F7-52EF-41B6-9945-88770F2B02A4}" type="datetime1">
               <a:rPr lang="zh-CN" altLang="en-US" smtClean="0"/>
-              <a:t>2017/3/1</a:t>
+              <a:t>2017/3/6</a:t>
             </a:fld>
             <a:endParaRPr lang="zh-CN" altLang="en-US"/>
           </a:p>
@@ -6072,7 +6072,7 @@
           <a:p>
             <a:fld id="{4C85DAA4-DC00-4E67-8D0B-89517DDD5F85}" type="datetime1">
               <a:rPr lang="zh-CN" altLang="en-US" smtClean="0"/>
-              <a:t>2017/3/1</a:t>
+              <a:t>2017/3/6</a:t>
             </a:fld>
             <a:endParaRPr lang="zh-CN" altLang="en-US"/>
           </a:p>
@@ -6170,7 +6170,7 @@
           <a:p>
             <a:fld id="{7E24897D-D1FD-4067-A7E4-902B0A5D3BBD}" type="datetime1">
               <a:rPr lang="zh-CN" altLang="en-US" smtClean="0"/>
-              <a:t>2017/3/1</a:t>
+              <a:t>2017/3/6</a:t>
             </a:fld>
             <a:endParaRPr lang="zh-CN" altLang="en-US"/>
           </a:p>
@@ -6294,7 +6294,7 @@
           <a:p>
             <a:fld id="{78DE507A-54E7-4740-9539-D54710054ACB}" type="datetime1">
               <a:rPr lang="zh-CN" altLang="en-US" smtClean="0"/>
-              <a:t>2017/3/1</a:t>
+              <a:t>2017/3/6</a:t>
             </a:fld>
             <a:endParaRPr lang="zh-CN" altLang="en-US"/>
           </a:p>
@@ -10615,46 +10615,7 @@
                 <a:latin typeface="Impact" pitchFamily="34" charset="0"/>
                 <a:ea typeface="微软雅黑" pitchFamily="34" charset="-122"/>
               </a:rPr>
-              <a:t> </a:t>
-            </a:r>
-            <a:r>
-              <a:rPr lang="zh-CN" altLang="en-US" sz="2400" dirty="0" smtClean="0">
-                <a:solidFill>
-                  <a:schemeClr val="tx1">
-                    <a:lumMod val="75000"/>
-                    <a:lumOff val="25000"/>
-                  </a:schemeClr>
-                </a:solidFill>
-                <a:latin typeface="Impact" pitchFamily="34" charset="0"/>
-                <a:ea typeface="微软雅黑" pitchFamily="34" charset="-122"/>
-              </a:rPr>
-              <a:t>会议日程</a:t>
-            </a:r>
-            <a:r>
-              <a:rPr lang="zh-CN" altLang="en-US" sz="2400" dirty="0" smtClean="0">
-                <a:solidFill>
-                  <a:schemeClr val="tx1">
-                    <a:lumMod val="75000"/>
-                    <a:lumOff val="25000"/>
-                  </a:schemeClr>
-                </a:solidFill>
-                <a:latin typeface="Impact" pitchFamily="34" charset="0"/>
-                <a:ea typeface="微软雅黑" pitchFamily="34" charset="-122"/>
-              </a:rPr>
-              <a:t>导入</a:t>
-            </a:r>
-            <a:r>
-              <a:rPr lang="zh-CN" altLang="en-US" sz="2400" dirty="0" smtClean="0">
-                <a:solidFill>
-                  <a:schemeClr val="tx1">
-                    <a:lumMod val="75000"/>
-                    <a:lumOff val="25000"/>
-                  </a:schemeClr>
-                </a:solidFill>
-                <a:latin typeface="Impact" pitchFamily="34" charset="0"/>
-                <a:ea typeface="微软雅黑" pitchFamily="34" charset="-122"/>
-              </a:rPr>
-              <a:t>与管理</a:t>
+              <a:t> 会议日程导入与管理</a:t>
             </a:r>
             <a:endParaRPr lang="zh-CN" altLang="en-US" sz="2400" dirty="0">
               <a:solidFill>
@@ -11172,20 +11133,7 @@
                 <a:latin typeface="Impact" pitchFamily="34" charset="0"/>
                 <a:ea typeface="微软雅黑" pitchFamily="34" charset="-122"/>
               </a:rPr>
-              <a:t> </a:t>
-            </a:r>
-            <a:r>
-              <a:rPr lang="zh-CN" altLang="en-US" sz="2400" dirty="0" smtClean="0">
-                <a:solidFill>
-                  <a:schemeClr val="tx1">
-                    <a:lumMod val="75000"/>
-                    <a:lumOff val="25000"/>
-                  </a:schemeClr>
-                </a:solidFill>
-                <a:latin typeface="Impact" pitchFamily="34" charset="0"/>
-                <a:ea typeface="微软雅黑" pitchFamily="34" charset="-122"/>
-              </a:rPr>
-              <a:t>导入会议日程</a:t>
+              <a:t> 导入会议日程</a:t>
             </a:r>
             <a:endParaRPr lang="zh-CN" altLang="en-US" sz="2400" dirty="0">
               <a:solidFill>
@@ -11489,21 +11437,7 @@
                 <a:ea typeface="微软雅黑"/>
                 <a:cs typeface="微软雅黑"/>
               </a:rPr>
-              <a:t>。</a:t>
-            </a:r>
-            <a:r>
-              <a:rPr lang="zh-CN" altLang="en-US" sz="1200" b="1" dirty="0" smtClean="0">
-                <a:solidFill>
-                  <a:schemeClr val="tx1">
-                    <a:lumMod val="65000"/>
-                    <a:lumOff val="35000"/>
-                  </a:schemeClr>
-                </a:solidFill>
-                <a:latin typeface="微软雅黑"/>
-                <a:ea typeface="微软雅黑"/>
-                <a:cs typeface="微软雅黑"/>
-              </a:rPr>
-              <a:t>第一次使用时，建议阅读页面上的使用提示。</a:t>
+              <a:t>。第一次使用时，建议阅读页面上的使用提示。</a:t>
             </a:r>
             <a:endParaRPr lang="en-US" altLang="zh-CN" sz="1200" b="1" dirty="0">
               <a:solidFill>
@@ -11761,20 +11695,7 @@
                 <a:latin typeface="Impact" pitchFamily="34" charset="0"/>
                 <a:ea typeface="微软雅黑" pitchFamily="34" charset="-122"/>
               </a:rPr>
-              <a:t> </a:t>
-            </a:r>
-            <a:r>
-              <a:rPr lang="zh-CN" altLang="en-US" sz="2400" dirty="0" smtClean="0">
-                <a:solidFill>
-                  <a:schemeClr val="tx1">
-                    <a:lumMod val="75000"/>
-                    <a:lumOff val="25000"/>
-                  </a:schemeClr>
-                </a:solidFill>
-                <a:latin typeface="Impact" pitchFamily="34" charset="0"/>
-                <a:ea typeface="微软雅黑" pitchFamily="34" charset="-122"/>
-              </a:rPr>
-              <a:t>导入会议日程</a:t>
+              <a:t> 导入会议日程</a:t>
             </a:r>
             <a:endParaRPr lang="zh-CN" altLang="en-US" sz="2400" dirty="0">
               <a:solidFill>
@@ -11950,21 +11871,7 @@
                 <a:ea typeface="微软雅黑"/>
                 <a:cs typeface="微软雅黑"/>
               </a:rPr>
-              <a:t>导入</a:t>
-            </a:r>
-            <a:r>
-              <a:rPr lang="zh-CN" altLang="en-US" sz="1200" b="1" dirty="0" smtClean="0">
-                <a:solidFill>
-                  <a:schemeClr val="tx1">
-                    <a:lumMod val="65000"/>
-                    <a:lumOff val="35000"/>
-                  </a:schemeClr>
-                </a:solidFill>
-                <a:latin typeface="微软雅黑"/>
-                <a:ea typeface="微软雅黑"/>
-                <a:cs typeface="微软雅黑"/>
-              </a:rPr>
-              <a:t>过程中，会提示导入的内容和数量，和具体出错的位置</a:t>
+              <a:t>导入过程中，会提示导入的内容和数量，和具体出错的位置</a:t>
             </a:r>
             <a:r>
               <a:rPr lang="zh-CN" altLang="en-US" sz="1200" b="1" dirty="0">
@@ -12265,20 +12172,7 @@
                 <a:latin typeface="Impact" pitchFamily="34" charset="0"/>
                 <a:ea typeface="微软雅黑" pitchFamily="34" charset="-122"/>
               </a:rPr>
-              <a:t> </a:t>
-            </a:r>
-            <a:r>
-              <a:rPr lang="zh-CN" altLang="en-US" sz="2400" dirty="0" smtClean="0">
-                <a:solidFill>
-                  <a:schemeClr val="tx1">
-                    <a:lumMod val="75000"/>
-                    <a:lumOff val="25000"/>
-                  </a:schemeClr>
-                </a:solidFill>
-                <a:latin typeface="Impact" pitchFamily="34" charset="0"/>
-                <a:ea typeface="微软雅黑" pitchFamily="34" charset="-122"/>
-              </a:rPr>
-              <a:t>查阅项目会议日程</a:t>
+              <a:t> 查阅项目会议日程</a:t>
             </a:r>
             <a:endParaRPr lang="zh-CN" altLang="en-US" sz="2400" dirty="0">
               <a:solidFill>
@@ -12454,21 +12348,7 @@
                 <a:ea typeface="微软雅黑"/>
                 <a:cs typeface="微软雅黑"/>
               </a:rPr>
-              <a:t>点击</a:t>
-            </a:r>
-            <a:r>
-              <a:rPr lang="zh-CN" altLang="en-US" sz="1200" b="1" dirty="0" smtClean="0">
-                <a:solidFill>
-                  <a:schemeClr val="tx1">
-                    <a:lumMod val="65000"/>
-                    <a:lumOff val="35000"/>
-                  </a:schemeClr>
-                </a:solidFill>
-                <a:latin typeface="微软雅黑"/>
-                <a:ea typeface="微软雅黑"/>
-                <a:cs typeface="微软雅黑"/>
-              </a:rPr>
-              <a:t>某个项目后面的“查看会议日程”按钮，将能查看本项目的会议日程。</a:t>
+              <a:t>点击某个项目后面的“查看会议日程”按钮，将能查看本项目的会议日程。</a:t>
             </a:r>
             <a:endParaRPr lang="en-US" altLang="zh-CN" sz="1200" b="1" dirty="0">
               <a:solidFill>
@@ -12726,46 +12606,7 @@
                 <a:latin typeface="Impact" pitchFamily="34" charset="0"/>
                 <a:ea typeface="微软雅黑" pitchFamily="34" charset="-122"/>
               </a:rPr>
-              <a:t> 项目</a:t>
-            </a:r>
-            <a:r>
-              <a:rPr lang="zh-CN" altLang="en-US" sz="2400" dirty="0" smtClean="0">
-                <a:solidFill>
-                  <a:schemeClr val="tx1">
-                    <a:lumMod val="75000"/>
-                    <a:lumOff val="25000"/>
-                  </a:schemeClr>
-                </a:solidFill>
-                <a:latin typeface="Impact" pitchFamily="34" charset="0"/>
-                <a:ea typeface="微软雅黑" pitchFamily="34" charset="-122"/>
-              </a:rPr>
-              <a:t>会议</a:t>
-            </a:r>
-            <a:r>
-              <a:rPr lang="zh-CN" altLang="en-US" sz="2400" dirty="0" smtClean="0">
-                <a:solidFill>
-                  <a:schemeClr val="tx1">
-                    <a:lumMod val="75000"/>
-                    <a:lumOff val="25000"/>
-                  </a:schemeClr>
-                </a:solidFill>
-                <a:latin typeface="Impact" pitchFamily="34" charset="0"/>
-                <a:ea typeface="微软雅黑" pitchFamily="34" charset="-122"/>
-              </a:rPr>
-              <a:t>日程</a:t>
-            </a:r>
-            <a:r>
-              <a:rPr lang="zh-CN" altLang="en-US" sz="2400" dirty="0" smtClean="0">
-                <a:solidFill>
-                  <a:schemeClr val="tx1">
-                    <a:lumMod val="75000"/>
-                    <a:lumOff val="25000"/>
-                  </a:schemeClr>
-                </a:solidFill>
-                <a:latin typeface="Impact" pitchFamily="34" charset="0"/>
-                <a:ea typeface="微软雅黑" pitchFamily="34" charset="-122"/>
-              </a:rPr>
-              <a:t>管理</a:t>
+              <a:t> 项目会议日程管理</a:t>
             </a:r>
             <a:endParaRPr lang="zh-CN" altLang="en-US" sz="2400" dirty="0">
               <a:solidFill>
@@ -12941,21 +12782,7 @@
                 <a:ea typeface="微软雅黑"/>
                 <a:cs typeface="微软雅黑"/>
               </a:rPr>
-              <a:t>项目</a:t>
-            </a:r>
-            <a:r>
-              <a:rPr lang="zh-CN" altLang="en-US" sz="1200" b="1" dirty="0" smtClean="0">
-                <a:solidFill>
-                  <a:schemeClr val="tx1">
-                    <a:lumMod val="65000"/>
-                    <a:lumOff val="35000"/>
-                  </a:schemeClr>
-                </a:solidFill>
-                <a:latin typeface="微软雅黑"/>
-                <a:ea typeface="微软雅黑"/>
-                <a:cs typeface="微软雅黑"/>
-              </a:rPr>
-              <a:t>会议日程列表中，可具体查看、修改或删除某条日程信息。还能逐条添加课程，或批量导入与导出会议日程信息。</a:t>
+              <a:t>项目会议日程列表中，可具体查看、修改或删除某条日程信息。还能逐条添加课程，或批量导入与导出会议日程信息。</a:t>
             </a:r>
             <a:endParaRPr lang="en-US" altLang="zh-CN" sz="1200" b="1" dirty="0">
               <a:solidFill>
@@ -13213,46 +13040,7 @@
                 <a:latin typeface="Impact" pitchFamily="34" charset="0"/>
                 <a:ea typeface="微软雅黑" pitchFamily="34" charset="-122"/>
               </a:rPr>
-              <a:t> </a:t>
-            </a:r>
-            <a:r>
-              <a:rPr lang="zh-CN" altLang="en-US" sz="2400" dirty="0" smtClean="0">
-                <a:solidFill>
-                  <a:schemeClr val="tx1">
-                    <a:lumMod val="75000"/>
-                    <a:lumOff val="25000"/>
-                  </a:schemeClr>
-                </a:solidFill>
-                <a:latin typeface="Impact" pitchFamily="34" charset="0"/>
-                <a:ea typeface="微软雅黑" pitchFamily="34" charset="-122"/>
-              </a:rPr>
-              <a:t>学员</a:t>
-            </a:r>
-            <a:r>
-              <a:rPr lang="zh-CN" altLang="en-US" sz="2400" dirty="0" smtClean="0">
-                <a:solidFill>
-                  <a:schemeClr val="tx1">
-                    <a:lumMod val="75000"/>
-                    <a:lumOff val="25000"/>
-                  </a:schemeClr>
-                </a:solidFill>
-                <a:latin typeface="Impact" pitchFamily="34" charset="0"/>
-                <a:ea typeface="微软雅黑" pitchFamily="34" charset="-122"/>
-              </a:rPr>
-              <a:t>导入</a:t>
-            </a:r>
-            <a:r>
-              <a:rPr lang="zh-CN" altLang="en-US" sz="2400" dirty="0" smtClean="0">
-                <a:solidFill>
-                  <a:schemeClr val="tx1">
-                    <a:lumMod val="75000"/>
-                    <a:lumOff val="25000"/>
-                  </a:schemeClr>
-                </a:solidFill>
-                <a:latin typeface="Impact" pitchFamily="34" charset="0"/>
-                <a:ea typeface="微软雅黑" pitchFamily="34" charset="-122"/>
-              </a:rPr>
-              <a:t>与管理</a:t>
+              <a:t> 学员导入与管理</a:t>
             </a:r>
             <a:endParaRPr lang="zh-CN" altLang="en-US" sz="2400" dirty="0">
               <a:solidFill>
@@ -13484,49 +13272,7 @@
                 <a:ea typeface="微软雅黑"/>
                 <a:cs typeface="微软雅黑"/>
               </a:rPr>
-              <a:t>进行</a:t>
-            </a:r>
-            <a:r>
-              <a:rPr lang="zh-CN" altLang="en-US" sz="1200" b="1" dirty="0" smtClean="0">
-                <a:solidFill>
-                  <a:schemeClr val="tx1">
-                    <a:lumMod val="65000"/>
-                    <a:lumOff val="35000"/>
-                  </a:schemeClr>
-                </a:solidFill>
-                <a:latin typeface="微软雅黑"/>
-                <a:ea typeface="微软雅黑"/>
-                <a:cs typeface="微软雅黑"/>
-              </a:rPr>
-              <a:t>项目</a:t>
-            </a:r>
-            <a:r>
-              <a:rPr lang="zh-CN" altLang="en-US" sz="1200" b="1" dirty="0" smtClean="0">
-                <a:solidFill>
-                  <a:schemeClr val="tx1">
-                    <a:lumMod val="65000"/>
-                    <a:lumOff val="35000"/>
-                  </a:schemeClr>
-                </a:solidFill>
-                <a:latin typeface="微软雅黑"/>
-                <a:ea typeface="微软雅黑"/>
-                <a:cs typeface="微软雅黑"/>
-              </a:rPr>
-              <a:t>会员</a:t>
-            </a:r>
-            <a:r>
-              <a:rPr lang="zh-CN" altLang="en-US" sz="1200" b="1" dirty="0" smtClean="0">
-                <a:solidFill>
-                  <a:schemeClr val="tx1">
-                    <a:lumMod val="65000"/>
-                    <a:lumOff val="35000"/>
-                  </a:schemeClr>
-                </a:solidFill>
-                <a:latin typeface="微软雅黑"/>
-                <a:ea typeface="微软雅黑"/>
-                <a:cs typeface="微软雅黑"/>
-              </a:rPr>
-              <a:t>的</a:t>
+              <a:t>进行项目会员的</a:t>
             </a:r>
             <a:r>
               <a:rPr lang="zh-CN" altLang="en-US" sz="1200" b="1" dirty="0">
@@ -13812,33 +13558,7 @@
                 <a:latin typeface="Impact" pitchFamily="34" charset="0"/>
                 <a:ea typeface="微软雅黑" pitchFamily="34" charset="-122"/>
               </a:rPr>
-              <a:t> 导入</a:t>
-            </a:r>
-            <a:r>
-              <a:rPr lang="zh-CN" altLang="en-US" sz="2400" dirty="0" smtClean="0">
-                <a:solidFill>
-                  <a:schemeClr val="tx1">
-                    <a:lumMod val="75000"/>
-                    <a:lumOff val="25000"/>
-                  </a:schemeClr>
-                </a:solidFill>
-                <a:latin typeface="Impact" pitchFamily="34" charset="0"/>
-                <a:ea typeface="微软雅黑" pitchFamily="34" charset="-122"/>
-              </a:rPr>
-              <a:t>项目</a:t>
-            </a:r>
-            <a:r>
-              <a:rPr lang="zh-CN" altLang="en-US" sz="2400" dirty="0" smtClean="0">
-                <a:solidFill>
-                  <a:schemeClr val="tx1">
-                    <a:lumMod val="75000"/>
-                    <a:lumOff val="25000"/>
-                  </a:schemeClr>
-                </a:solidFill>
-                <a:latin typeface="Impact" pitchFamily="34" charset="0"/>
-                <a:ea typeface="微软雅黑" pitchFamily="34" charset="-122"/>
-              </a:rPr>
-              <a:t>学员</a:t>
+              <a:t> 导入项目学员</a:t>
             </a:r>
             <a:endParaRPr lang="zh-CN" altLang="en-US" sz="2400" dirty="0">
               <a:solidFill>
@@ -14156,21 +13876,7 @@
                 <a:ea typeface="微软雅黑"/>
                 <a:cs typeface="微软雅黑"/>
               </a:rPr>
-              <a:t>后，点击“开始导入”即可</a:t>
-            </a:r>
-            <a:r>
-              <a:rPr lang="zh-CN" altLang="en-US" sz="1200" b="1" dirty="0">
-                <a:solidFill>
-                  <a:schemeClr val="tx1">
-                    <a:lumMod val="65000"/>
-                    <a:lumOff val="35000"/>
-                  </a:schemeClr>
-                </a:solidFill>
-                <a:latin typeface="微软雅黑"/>
-                <a:ea typeface="微软雅黑"/>
-                <a:cs typeface="微软雅黑"/>
-              </a:rPr>
-              <a:t>。第一次使用时，建议阅读页面上的使用提示</a:t>
+              <a:t>后，点击“开始导入”即可。第一次使用时，建议阅读页面上的使用提示</a:t>
             </a:r>
             <a:r>
               <a:rPr lang="zh-CN" altLang="en-US" sz="1200" b="1" dirty="0" smtClean="0">
@@ -14442,20 +14148,7 @@
                 <a:latin typeface="Impact" pitchFamily="34" charset="0"/>
                 <a:ea typeface="微软雅黑" pitchFamily="34" charset="-122"/>
               </a:rPr>
-              <a:t> </a:t>
-            </a:r>
-            <a:r>
-              <a:rPr lang="zh-CN" altLang="en-US" sz="2400" dirty="0" smtClean="0">
-                <a:solidFill>
-                  <a:schemeClr val="tx1">
-                    <a:lumMod val="75000"/>
-                    <a:lumOff val="25000"/>
-                  </a:schemeClr>
-                </a:solidFill>
-                <a:latin typeface="Impact" pitchFamily="34" charset="0"/>
-                <a:ea typeface="微软雅黑" pitchFamily="34" charset="-122"/>
-              </a:rPr>
-              <a:t>查阅项目学员</a:t>
+              <a:t> 查阅项目学员</a:t>
             </a:r>
             <a:endParaRPr lang="zh-CN" altLang="en-US" sz="2400" dirty="0">
               <a:solidFill>
@@ -14631,77 +14324,7 @@
                 <a:ea typeface="微软雅黑"/>
                 <a:cs typeface="微软雅黑"/>
               </a:rPr>
-              <a:t>导入</a:t>
-            </a:r>
-            <a:r>
-              <a:rPr lang="zh-CN" altLang="en-US" sz="1200" b="1" dirty="0" smtClean="0">
-                <a:solidFill>
-                  <a:schemeClr val="tx1">
-                    <a:lumMod val="65000"/>
-                    <a:lumOff val="35000"/>
-                  </a:schemeClr>
-                </a:solidFill>
-                <a:latin typeface="微软雅黑"/>
-                <a:ea typeface="微软雅黑"/>
-                <a:cs typeface="微软雅黑"/>
-              </a:rPr>
-              <a:t>过程中，会提示导入的内容和数量，和具体出错的位置</a:t>
-            </a:r>
-            <a:r>
-              <a:rPr lang="zh-CN" altLang="en-US" sz="1200" b="1" dirty="0" smtClean="0">
-                <a:solidFill>
-                  <a:schemeClr val="tx1">
-                    <a:lumMod val="65000"/>
-                    <a:lumOff val="35000"/>
-                  </a:schemeClr>
-                </a:solidFill>
-                <a:latin typeface="微软雅黑"/>
-                <a:ea typeface="微软雅黑"/>
-                <a:cs typeface="微软雅黑"/>
-              </a:rPr>
-              <a:t>。</a:t>
-            </a:r>
-            <a:r>
-              <a:rPr lang="zh-CN" altLang="en-US" sz="1200" b="1" dirty="0" smtClean="0">
-                <a:solidFill>
-                  <a:schemeClr val="tx1">
-                    <a:lumMod val="65000"/>
-                    <a:lumOff val="35000"/>
-                  </a:schemeClr>
-                </a:solidFill>
-                <a:latin typeface="微软雅黑"/>
-                <a:ea typeface="微软雅黑"/>
-                <a:cs typeface="微软雅黑"/>
-              </a:rPr>
-              <a:t>若确认无误，则点击“提交”按钮完成导入。</a:t>
-            </a:r>
-            <a:r>
-              <a:rPr lang="zh-CN" altLang="en-US" sz="1200" b="1" dirty="0" smtClean="0">
-                <a:solidFill>
-                  <a:schemeClr val="tx1">
-                    <a:lumMod val="65000"/>
-                    <a:lumOff val="35000"/>
-                  </a:schemeClr>
-                </a:solidFill>
-                <a:latin typeface="微软雅黑"/>
-                <a:ea typeface="微软雅黑"/>
-                <a:cs typeface="微软雅黑"/>
-              </a:rPr>
-              <a:t>若</a:t>
-            </a:r>
-            <a:r>
-              <a:rPr lang="zh-CN" altLang="en-US" sz="1200" b="1" dirty="0" smtClean="0">
-                <a:solidFill>
-                  <a:schemeClr val="tx1">
-                    <a:lumMod val="65000"/>
-                    <a:lumOff val="35000"/>
-                  </a:schemeClr>
-                </a:solidFill>
-                <a:latin typeface="微软雅黑"/>
-                <a:ea typeface="微软雅黑"/>
-                <a:cs typeface="微软雅黑"/>
-              </a:rPr>
-              <a:t>出现问题，可修改导入的</a:t>
+              <a:t>导入过程中，会提示导入的内容和数量，和具体出错的位置。若确认无误，则点击“提交”按钮完成导入。若出现问题，可修改导入的</a:t>
             </a:r>
             <a:r>
               <a:rPr lang="en-US" altLang="zh-CN" sz="1200" b="1" dirty="0" smtClean="0">
@@ -14987,20 +14610,7 @@
                 <a:latin typeface="Impact" pitchFamily="34" charset="0"/>
                 <a:ea typeface="微软雅黑" pitchFamily="34" charset="-122"/>
               </a:rPr>
-              <a:t> </a:t>
-            </a:r>
-            <a:r>
-              <a:rPr lang="zh-CN" altLang="en-US" sz="2400" dirty="0" smtClean="0">
-                <a:solidFill>
-                  <a:schemeClr val="tx1">
-                    <a:lumMod val="75000"/>
-                    <a:lumOff val="25000"/>
-                  </a:schemeClr>
-                </a:solidFill>
-                <a:latin typeface="Impact" pitchFamily="34" charset="0"/>
-                <a:ea typeface="微软雅黑" pitchFamily="34" charset="-122"/>
-              </a:rPr>
-              <a:t>查阅项目学员</a:t>
+              <a:t> 查阅项目学员</a:t>
             </a:r>
             <a:endParaRPr lang="zh-CN" altLang="en-US" sz="2400" dirty="0">
               <a:solidFill>
@@ -15490,20 +15100,7 @@
                 <a:latin typeface="Impact" pitchFamily="34" charset="0"/>
                 <a:ea typeface="微软雅黑" pitchFamily="34" charset="-122"/>
               </a:rPr>
-              <a:t> 项目学员</a:t>
-            </a:r>
-            <a:r>
-              <a:rPr lang="zh-CN" altLang="en-US" sz="2400" dirty="0" smtClean="0">
-                <a:solidFill>
-                  <a:schemeClr val="tx1">
-                    <a:lumMod val="75000"/>
-                    <a:lumOff val="25000"/>
-                  </a:schemeClr>
-                </a:solidFill>
-                <a:latin typeface="Impact" pitchFamily="34" charset="0"/>
-                <a:ea typeface="微软雅黑" pitchFamily="34" charset="-122"/>
-              </a:rPr>
-              <a:t>管理</a:t>
+              <a:t> 项目学员管理</a:t>
             </a:r>
             <a:endParaRPr lang="zh-CN" altLang="en-US" sz="2400" dirty="0">
               <a:solidFill>
@@ -15679,21 +15276,7 @@
                 <a:ea typeface="微软雅黑"/>
                 <a:cs typeface="微软雅黑"/>
               </a:rPr>
-              <a:t>点击</a:t>
-            </a:r>
-            <a:r>
-              <a:rPr lang="zh-CN" altLang="en-US" sz="1200" b="1" dirty="0" smtClean="0">
-                <a:solidFill>
-                  <a:schemeClr val="tx1">
-                    <a:lumMod val="65000"/>
-                    <a:lumOff val="35000"/>
-                  </a:schemeClr>
-                </a:solidFill>
-                <a:latin typeface="微软雅黑"/>
-                <a:ea typeface="微软雅黑"/>
-                <a:cs typeface="微软雅黑"/>
-              </a:rPr>
-              <a:t>某个项目后面的“查看学员”按钮，将可查看到本项目的学员列表。可对某个学员信息进行查阅、修改和删除。还能逐条添加学员，或批量导入和导出。</a:t>
+              <a:t>点击某个项目后面的“查看学员”按钮，将可查看到本项目的学员列表。可对某个学员信息进行查阅、修改和删除。还能逐条添加学员，或批量导入和导出。</a:t>
             </a:r>
             <a:endParaRPr lang="en-US" altLang="zh-CN" sz="1200" b="1" dirty="0">
               <a:solidFill>
@@ -16122,63 +15705,7 @@
                 <a:ea typeface="微软雅黑"/>
                 <a:cs typeface="微软雅黑"/>
               </a:rPr>
-              <a:t>，</a:t>
-            </a:r>
-            <a:r>
-              <a:rPr lang="zh-CN" altLang="en-US" sz="1600" b="1" dirty="0" smtClean="0">
-                <a:solidFill>
-                  <a:schemeClr val="tx1">
-                    <a:lumMod val="65000"/>
-                    <a:lumOff val="35000"/>
-                  </a:schemeClr>
-                </a:solidFill>
-                <a:latin typeface="微软雅黑"/>
-                <a:ea typeface="微软雅黑"/>
-                <a:cs typeface="微软雅黑"/>
-              </a:rPr>
-              <a:t>点击界面右侧的“管理系统登录”，即可进入下面的登录界面，个人的</a:t>
-            </a:r>
-            <a:r>
-              <a:rPr lang="zh-CN" altLang="en-US" sz="1600" b="1" dirty="0" smtClean="0">
-                <a:solidFill>
-                  <a:schemeClr val="tx1">
-                    <a:lumMod val="65000"/>
-                    <a:lumOff val="35000"/>
-                  </a:schemeClr>
-                </a:solidFill>
-                <a:latin typeface="微软雅黑"/>
-                <a:ea typeface="微软雅黑"/>
-                <a:cs typeface="微软雅黑"/>
-              </a:rPr>
-              <a:t>用户</a:t>
-            </a:r>
-            <a:r>
-              <a:rPr lang="zh-CN" altLang="en-US" sz="1600" b="1" dirty="0" smtClean="0">
-                <a:solidFill>
-                  <a:schemeClr val="tx1">
-                    <a:lumMod val="65000"/>
-                    <a:lumOff val="35000"/>
-                  </a:schemeClr>
-                </a:solidFill>
-                <a:latin typeface="微软雅黑"/>
-                <a:ea typeface="微软雅黑"/>
-                <a:cs typeface="微软雅黑"/>
-              </a:rPr>
-              <a:t>名和密码请向继教处</a:t>
-            </a:r>
-            <a:r>
-              <a:rPr lang="zh-CN" altLang="en-US" sz="1600" b="1" dirty="0" smtClean="0">
-                <a:solidFill>
-                  <a:schemeClr val="tx1">
-                    <a:lumMod val="65000"/>
-                    <a:lumOff val="35000"/>
-                  </a:schemeClr>
-                </a:solidFill>
-                <a:latin typeface="微软雅黑"/>
-                <a:ea typeface="微软雅黑"/>
-                <a:cs typeface="微软雅黑"/>
-              </a:rPr>
-              <a:t>询问。</a:t>
+              <a:t>，点击界面右侧的“管理系统登录”，即可进入下面的登录界面，个人的用户名和密码请向继教处询问。</a:t>
             </a:r>
             <a:endParaRPr lang="en-US" altLang="zh-CN" sz="1600" b="1" dirty="0">
               <a:solidFill>
@@ -16432,20 +15959,7 @@
                 <a:latin typeface="Impact" pitchFamily="34" charset="0"/>
                 <a:ea typeface="微软雅黑" pitchFamily="34" charset="-122"/>
               </a:rPr>
-              <a:t> </a:t>
-            </a:r>
-            <a:r>
-              <a:rPr lang="zh-CN" altLang="en-US" sz="2400" dirty="0" smtClean="0">
-                <a:solidFill>
-                  <a:schemeClr val="tx1">
-                    <a:lumMod val="75000"/>
-                    <a:lumOff val="25000"/>
-                  </a:schemeClr>
-                </a:solidFill>
-                <a:latin typeface="Impact" pitchFamily="34" charset="0"/>
-                <a:ea typeface="微软雅黑" pitchFamily="34" charset="-122"/>
-              </a:rPr>
-              <a:t>逐条添加学员信息</a:t>
+              <a:t> 逐条添加学员信息</a:t>
             </a:r>
             <a:endParaRPr lang="zh-CN" altLang="en-US" sz="2400" dirty="0">
               <a:solidFill>
@@ -16621,63 +16135,7 @@
                 <a:ea typeface="微软雅黑"/>
                 <a:cs typeface="微软雅黑"/>
               </a:rPr>
-              <a:t>点击</a:t>
-            </a:r>
-            <a:r>
-              <a:rPr lang="zh-CN" altLang="en-US" sz="1200" b="1" dirty="0" smtClean="0">
-                <a:solidFill>
-                  <a:schemeClr val="tx1">
-                    <a:lumMod val="65000"/>
-                    <a:lumOff val="35000"/>
-                  </a:schemeClr>
-                </a:solidFill>
-                <a:latin typeface="微软雅黑"/>
-                <a:ea typeface="微软雅黑"/>
-                <a:cs typeface="微软雅黑"/>
-              </a:rPr>
-              <a:t>“逐条添加学员”按钮后，可添加一条学员</a:t>
-            </a:r>
-            <a:r>
-              <a:rPr lang="zh-CN" altLang="en-US" sz="1200" b="1" dirty="0" smtClean="0">
-                <a:solidFill>
-                  <a:schemeClr val="tx1">
-                    <a:lumMod val="65000"/>
-                    <a:lumOff val="35000"/>
-                  </a:schemeClr>
-                </a:solidFill>
-                <a:latin typeface="微软雅黑"/>
-                <a:ea typeface="微软雅黑"/>
-                <a:cs typeface="微软雅黑"/>
-              </a:rPr>
-              <a:t>信息，</a:t>
-            </a:r>
-            <a:r>
-              <a:rPr lang="zh-CN" altLang="en-US" sz="1200" b="1" dirty="0" smtClean="0">
-                <a:solidFill>
-                  <a:schemeClr val="tx1">
-                    <a:lumMod val="65000"/>
-                    <a:lumOff val="35000"/>
-                  </a:schemeClr>
-                </a:solidFill>
-                <a:latin typeface="微软雅黑"/>
-                <a:ea typeface="微软雅黑"/>
-                <a:cs typeface="微软雅黑"/>
-              </a:rPr>
-              <a:t>点击“保存并提交”</a:t>
-            </a:r>
-            <a:r>
-              <a:rPr lang="zh-CN" altLang="en-US" sz="1200" b="1" dirty="0" smtClean="0">
-                <a:solidFill>
-                  <a:schemeClr val="tx1">
-                    <a:lumMod val="65000"/>
-                    <a:lumOff val="35000"/>
-                  </a:schemeClr>
-                </a:solidFill>
-                <a:latin typeface="微软雅黑"/>
-                <a:ea typeface="微软雅黑"/>
-                <a:cs typeface="微软雅黑"/>
-              </a:rPr>
-              <a:t>。</a:t>
+              <a:t>点击“逐条添加学员”按钮后，可添加一条学员信息，点击“保存并提交”。</a:t>
             </a:r>
             <a:endParaRPr lang="en-US" altLang="zh-CN" sz="1200" b="1" dirty="0">
               <a:solidFill>
@@ -16935,20 +16393,7 @@
                 <a:latin typeface="Impact" pitchFamily="34" charset="0"/>
                 <a:ea typeface="微软雅黑" pitchFamily="34" charset="-122"/>
               </a:rPr>
-              <a:t> </a:t>
-            </a:r>
-            <a:r>
-              <a:rPr lang="zh-CN" altLang="en-US" sz="2400" dirty="0" smtClean="0">
-                <a:solidFill>
-                  <a:schemeClr val="tx1">
-                    <a:lumMod val="75000"/>
-                    <a:lumOff val="25000"/>
-                  </a:schemeClr>
-                </a:solidFill>
-                <a:latin typeface="Impact" pitchFamily="34" charset="0"/>
-                <a:ea typeface="微软雅黑" pitchFamily="34" charset="-122"/>
-              </a:rPr>
-              <a:t>查看个人信息</a:t>
+              <a:t> 查看个人信息</a:t>
             </a:r>
             <a:endParaRPr lang="zh-CN" altLang="en-US" sz="2400" dirty="0">
               <a:solidFill>
@@ -17124,21 +16569,7 @@
                 <a:ea typeface="微软雅黑"/>
                 <a:cs typeface="微软雅黑"/>
               </a:rPr>
-              <a:t>点击界</a:t>
-            </a:r>
-            <a:r>
-              <a:rPr lang="zh-CN" altLang="en-US" sz="1200" b="1" dirty="0" smtClean="0">
-                <a:solidFill>
-                  <a:schemeClr val="tx1">
-                    <a:lumMod val="65000"/>
-                    <a:lumOff val="35000"/>
-                  </a:schemeClr>
-                </a:solidFill>
-                <a:latin typeface="微软雅黑"/>
-                <a:ea typeface="微软雅黑"/>
-                <a:cs typeface="微软雅黑"/>
-              </a:rPr>
-              <a:t>面右上角的用户名，下拉菜单中点击“个人信息”就可查看和修改当前登录用户的个人信息。点击退出就可退出系统。</a:t>
+              <a:t>点击界面右上角的用户名，下拉菜单中点击“个人信息”就可查看和修改当前登录用户的个人信息。点击退出就可退出系统。</a:t>
             </a:r>
             <a:endParaRPr lang="en-US" altLang="zh-CN" sz="1200" b="1" dirty="0">
               <a:solidFill>
@@ -17344,14 +16775,14 @@
           </a:ln>
           <a:extLst>
             <a:ext uri="{909E8E84-426E-40dd-AFC4-6F175D3DCCD1}">
-              <a14:hiddenFill xmlns:a14="http://schemas.microsoft.com/office/drawing/2010/main" xmlns="">
+              <a14:hiddenFill xmlns="" xmlns:a14="http://schemas.microsoft.com/office/drawing/2010/main">
                 <a:solidFill>
                   <a:srgbClr val="FFFFFF"/>
                 </a:solidFill>
               </a14:hiddenFill>
             </a:ext>
             <a:ext uri="{91240B29-F687-4f45-9708-019B960494DF}">
-              <a14:hiddenLine xmlns:a14="http://schemas.microsoft.com/office/drawing/2010/main" xmlns="" w="9525">
+              <a14:hiddenLine xmlns="" xmlns:a14="http://schemas.microsoft.com/office/drawing/2010/main" w="9525">
                 <a:solidFill>
                   <a:srgbClr val="000000"/>
                 </a:solidFill>
@@ -17574,14 +17005,14 @@
           </a:ln>
           <a:extLst>
             <a:ext uri="{909E8E84-426E-40dd-AFC4-6F175D3DCCD1}">
-              <a14:hiddenFill xmlns:a14="http://schemas.microsoft.com/office/drawing/2010/main" xmlns="">
+              <a14:hiddenFill xmlns="" xmlns:a14="http://schemas.microsoft.com/office/drawing/2010/main">
                 <a:solidFill>
                   <a:srgbClr val="FFFFFF"/>
                 </a:solidFill>
               </a14:hiddenFill>
             </a:ext>
             <a:ext uri="{91240B29-F687-4f45-9708-019B960494DF}">
-              <a14:hiddenLine xmlns:a14="http://schemas.microsoft.com/office/drawing/2010/main" xmlns="" w="9525">
+              <a14:hiddenLine xmlns="" xmlns:a14="http://schemas.microsoft.com/office/drawing/2010/main" w="9525">
                 <a:solidFill>
                   <a:srgbClr val="000000"/>
                 </a:solidFill>
@@ -18274,20 +17705,7 @@
                 <a:latin typeface="Impact" pitchFamily="34" charset="0"/>
                 <a:ea typeface="微软雅黑" pitchFamily="34" charset="-122"/>
               </a:rPr>
-              <a:t>项目</a:t>
-            </a:r>
-            <a:r>
-              <a:rPr lang="zh-CN" altLang="en-US" sz="2400" dirty="0" smtClean="0">
-                <a:solidFill>
-                  <a:schemeClr val="tx1">
-                    <a:lumMod val="75000"/>
-                    <a:lumOff val="25000"/>
-                  </a:schemeClr>
-                </a:solidFill>
-                <a:latin typeface="Impact" pitchFamily="34" charset="0"/>
-                <a:ea typeface="微软雅黑" pitchFamily="34" charset="-122"/>
-              </a:rPr>
-              <a:t>管理员“使用流程”</a:t>
+              <a:t>项目管理员“使用流程”</a:t>
             </a:r>
             <a:endParaRPr lang="zh-CN" altLang="en-US" sz="2400" dirty="0">
               <a:solidFill>
@@ -20685,9 +20103,9 @@
       </p:par>
     </p:tnLst>
     <p:bldLst>
-      <p:bldP spid="79" grpId="0"/>
-      <p:bldP spid="82" grpId="0"/>
-      <p:bldP spid="83" grpId="0"/>
+      <p:bldP spid="79" grpId="0" animBg="1"/>
+      <p:bldP spid="82" grpId="0" animBg="1"/>
+      <p:bldP spid="83" grpId="0" animBg="1"/>
       <p:bldP spid="84" grpId="0" animBg="1"/>
     </p:bldLst>
   </p:timing>
@@ -20744,33 +20162,7 @@
                 <a:latin typeface="Impact" pitchFamily="34" charset="0"/>
                 <a:ea typeface="微软雅黑" pitchFamily="34" charset="-122"/>
               </a:rPr>
-              <a:t>系统用户分类与</a:t>
-            </a:r>
-            <a:r>
-              <a:rPr lang="zh-CN" altLang="en-US" sz="2400" dirty="0" smtClean="0">
-                <a:solidFill>
-                  <a:schemeClr val="tx1">
-                    <a:lumMod val="75000"/>
-                    <a:lumOff val="25000"/>
-                  </a:schemeClr>
-                </a:solidFill>
-                <a:latin typeface="Impact" pitchFamily="34" charset="0"/>
-                <a:ea typeface="微软雅黑" pitchFamily="34" charset="-122"/>
-              </a:rPr>
-              <a:t>功能</a:t>
-            </a:r>
-            <a:r>
-              <a:rPr lang="zh-CN" altLang="en-US" sz="2400" dirty="0" smtClean="0">
-                <a:solidFill>
-                  <a:schemeClr val="tx1">
-                    <a:lumMod val="75000"/>
-                    <a:lumOff val="25000"/>
-                  </a:schemeClr>
-                </a:solidFill>
-                <a:latin typeface="Impact" pitchFamily="34" charset="0"/>
-                <a:ea typeface="微软雅黑" pitchFamily="34" charset="-122"/>
-              </a:rPr>
-              <a:t>设定</a:t>
+              <a:t>系统用户分类与功能设定</a:t>
             </a:r>
             <a:endParaRPr lang="zh-CN" altLang="en-US" sz="2400" dirty="0">
               <a:solidFill>
@@ -20882,20 +20274,7 @@
                 <a:latin typeface="Impact" pitchFamily="34" charset="0"/>
                 <a:ea typeface="微软雅黑" pitchFamily="34" charset="-122"/>
               </a:rPr>
-              <a:t>登录</a:t>
-            </a:r>
-            <a:r>
-              <a:rPr lang="zh-CN" altLang="en-US" sz="2400" dirty="0" smtClean="0">
-                <a:solidFill>
-                  <a:schemeClr val="tx1">
-                    <a:lumMod val="75000"/>
-                    <a:lumOff val="25000"/>
-                  </a:schemeClr>
-                </a:solidFill>
-                <a:latin typeface="Impact" pitchFamily="34" charset="0"/>
-                <a:ea typeface="微软雅黑" pitchFamily="34" charset="-122"/>
-              </a:rPr>
-              <a:t>系统，欢迎使用</a:t>
+              <a:t>登录系统，欢迎使用</a:t>
             </a:r>
             <a:endParaRPr lang="zh-CN" altLang="en-US" sz="2400" dirty="0">
               <a:solidFill>
@@ -21071,63 +20450,7 @@
                 <a:ea typeface="微软雅黑"/>
                 <a:cs typeface="微软雅黑"/>
               </a:rPr>
-              <a:t>项目</a:t>
-            </a:r>
-            <a:r>
-              <a:rPr lang="zh-CN" altLang="en-US" sz="1200" b="1" dirty="0" smtClean="0">
-                <a:solidFill>
-                  <a:schemeClr val="tx1">
-                    <a:lumMod val="65000"/>
-                    <a:lumOff val="35000"/>
-                  </a:schemeClr>
-                </a:solidFill>
-                <a:latin typeface="微软雅黑"/>
-                <a:ea typeface="微软雅黑"/>
-                <a:cs typeface="微软雅黑"/>
-              </a:rPr>
-              <a:t>管理员登录后，首先进入“欢迎页面”</a:t>
-            </a:r>
-            <a:r>
-              <a:rPr lang="zh-CN" altLang="en-US" sz="1200" b="1" dirty="0" smtClean="0">
-                <a:solidFill>
-                  <a:schemeClr val="tx1">
-                    <a:lumMod val="65000"/>
-                    <a:lumOff val="35000"/>
-                  </a:schemeClr>
-                </a:solidFill>
-                <a:latin typeface="微软雅黑"/>
-                <a:ea typeface="微软雅黑"/>
-                <a:cs typeface="微软雅黑"/>
-              </a:rPr>
-              <a:t>。</a:t>
-            </a:r>
-            <a:r>
-              <a:rPr lang="zh-CN" altLang="en-US" sz="1200" b="1" dirty="0" smtClean="0">
-                <a:solidFill>
-                  <a:schemeClr val="tx1">
-                    <a:lumMod val="65000"/>
-                    <a:lumOff val="35000"/>
-                  </a:schemeClr>
-                </a:solidFill>
-                <a:latin typeface="微软雅黑"/>
-                <a:ea typeface="微软雅黑"/>
-                <a:cs typeface="微软雅黑"/>
-              </a:rPr>
-              <a:t>左侧的系统菜单是项目管理员主要使用的功能</a:t>
-            </a:r>
-            <a:r>
-              <a:rPr lang="zh-CN" altLang="en-US" sz="1200" b="1" dirty="0" smtClean="0">
-                <a:solidFill>
-                  <a:schemeClr val="tx1">
-                    <a:lumMod val="65000"/>
-                    <a:lumOff val="35000"/>
-                  </a:schemeClr>
-                </a:solidFill>
-                <a:latin typeface="微软雅黑"/>
-                <a:ea typeface="微软雅黑"/>
-                <a:cs typeface="微软雅黑"/>
-              </a:rPr>
-              <a:t>。</a:t>
+              <a:t>项目管理员登录后，首先进入“欢迎页面”。左侧的系统菜单是项目管理员主要使用的功能。</a:t>
             </a:r>
             <a:endParaRPr lang="en-US" altLang="zh-CN" sz="1200" b="1" dirty="0">
               <a:solidFill>
@@ -21359,20 +20682,7 @@
                 <a:latin typeface="Impact" pitchFamily="34" charset="0"/>
                 <a:ea typeface="微软雅黑" pitchFamily="34" charset="-122"/>
               </a:rPr>
-              <a:t>我</a:t>
-            </a:r>
-            <a:r>
-              <a:rPr lang="zh-CN" altLang="en-US" sz="2400" dirty="0" smtClean="0">
-                <a:solidFill>
-                  <a:schemeClr val="tx1">
-                    <a:lumMod val="75000"/>
-                    <a:lumOff val="25000"/>
-                  </a:schemeClr>
-                </a:solidFill>
-                <a:latin typeface="Impact" pitchFamily="34" charset="0"/>
-                <a:ea typeface="微软雅黑" pitchFamily="34" charset="-122"/>
-              </a:rPr>
-              <a:t>的项目一览</a:t>
+              <a:t>我的项目一览</a:t>
             </a:r>
             <a:endParaRPr lang="zh-CN" altLang="en-US" sz="2400" dirty="0">
               <a:solidFill>
@@ -21548,7 +20858,7 @@
                 <a:ea typeface="微软雅黑"/>
                 <a:cs typeface="微软雅黑"/>
               </a:rPr>
-              <a:t>项目</a:t>
+              <a:t>项目管理员能够看到分配给自己管理的所有继教项目，点击项目名称可以查看项目详情。同时还能查看每个项目的会议通知、会议日程和学员</a:t>
             </a:r>
             <a:r>
               <a:rPr lang="zh-CN" altLang="en-US" sz="1200" b="1" dirty="0" smtClean="0">
@@ -21562,7 +20872,21 @@
                 <a:ea typeface="微软雅黑"/>
                 <a:cs typeface="微软雅黑"/>
               </a:rPr>
-              <a:t>管理员能够看到分配给自己管理的所有继教项目，点击项目名称可以查看项目详情。同时还能查看每个项目的会议通知、会议日程和学员。</a:t>
+              <a:t>。</a:t>
+            </a:r>
+            <a:r>
+              <a:rPr lang="zh-CN" altLang="en-US" sz="1200" b="1" dirty="0" smtClean="0">
+                <a:solidFill>
+                  <a:schemeClr val="tx1">
+                    <a:lumMod val="65000"/>
+                    <a:lumOff val="35000"/>
+                  </a:schemeClr>
+                </a:solidFill>
+                <a:latin typeface="微软雅黑"/>
+                <a:ea typeface="微软雅黑"/>
+                <a:cs typeface="微软雅黑"/>
+              </a:rPr>
+              <a:t>按钮为绿色时，表明此前有过导入操作，其他导入页面效果同理。</a:t>
             </a:r>
             <a:endParaRPr lang="en-US" altLang="zh-CN" sz="1200" b="1" dirty="0">
               <a:solidFill>
@@ -21820,46 +21144,7 @@
                 <a:latin typeface="Impact" pitchFamily="34" charset="0"/>
                 <a:ea typeface="微软雅黑" pitchFamily="34" charset="-122"/>
               </a:rPr>
-              <a:t> </a:t>
-            </a:r>
-            <a:r>
-              <a:rPr lang="zh-CN" altLang="en-US" sz="2400" dirty="0" smtClean="0">
-                <a:solidFill>
-                  <a:schemeClr val="tx1">
-                    <a:lumMod val="75000"/>
-                    <a:lumOff val="25000"/>
-                  </a:schemeClr>
-                </a:solidFill>
-                <a:latin typeface="Impact" pitchFamily="34" charset="0"/>
-                <a:ea typeface="微软雅黑" pitchFamily="34" charset="-122"/>
-              </a:rPr>
-              <a:t>会议通知</a:t>
-            </a:r>
-            <a:r>
-              <a:rPr lang="zh-CN" altLang="en-US" sz="2400" dirty="0" smtClean="0">
-                <a:solidFill>
-                  <a:schemeClr val="tx1">
-                    <a:lumMod val="75000"/>
-                    <a:lumOff val="25000"/>
-                  </a:schemeClr>
-                </a:solidFill>
-                <a:latin typeface="Impact" pitchFamily="34" charset="0"/>
-                <a:ea typeface="微软雅黑" pitchFamily="34" charset="-122"/>
-              </a:rPr>
-              <a:t>导入</a:t>
-            </a:r>
-            <a:r>
-              <a:rPr lang="zh-CN" altLang="en-US" sz="2400" dirty="0" smtClean="0">
-                <a:solidFill>
-                  <a:schemeClr val="tx1">
-                    <a:lumMod val="75000"/>
-                    <a:lumOff val="25000"/>
-                  </a:schemeClr>
-                </a:solidFill>
-                <a:latin typeface="Impact" pitchFamily="34" charset="0"/>
-                <a:ea typeface="微软雅黑" pitchFamily="34" charset="-122"/>
-              </a:rPr>
-              <a:t>与管理</a:t>
+              <a:t> 会议通知导入与管理</a:t>
             </a:r>
             <a:endParaRPr lang="zh-CN" altLang="en-US" sz="2400" dirty="0">
               <a:solidFill>
@@ -22035,161 +21320,7 @@
                 <a:ea typeface="微软雅黑"/>
                 <a:cs typeface="微软雅黑"/>
               </a:rPr>
-              <a:t>左侧</a:t>
-            </a:r>
-            <a:r>
-              <a:rPr lang="zh-CN" altLang="en-US" sz="1200" b="1" dirty="0" smtClean="0">
-                <a:solidFill>
-                  <a:schemeClr val="tx1">
-                    <a:lumMod val="65000"/>
-                    <a:lumOff val="35000"/>
-                  </a:schemeClr>
-                </a:solidFill>
-                <a:latin typeface="微软雅黑"/>
-                <a:ea typeface="微软雅黑"/>
-                <a:cs typeface="微软雅黑"/>
-              </a:rPr>
-              <a:t>菜单中点击“会议通知导入”</a:t>
-            </a:r>
-            <a:r>
-              <a:rPr lang="zh-CN" altLang="en-US" sz="1200" b="1" dirty="0" smtClean="0">
-                <a:solidFill>
-                  <a:schemeClr val="tx1">
-                    <a:lumMod val="65000"/>
-                    <a:lumOff val="35000"/>
-                  </a:schemeClr>
-                </a:solidFill>
-                <a:latin typeface="微软雅黑"/>
-                <a:ea typeface="微软雅黑"/>
-                <a:cs typeface="微软雅黑"/>
-              </a:rPr>
-              <a:t>，右面</a:t>
-            </a:r>
-            <a:r>
-              <a:rPr lang="zh-CN" altLang="en-US" sz="1200" b="1" dirty="0" smtClean="0">
-                <a:solidFill>
-                  <a:schemeClr val="tx1">
-                    <a:lumMod val="65000"/>
-                    <a:lumOff val="35000"/>
-                  </a:schemeClr>
-                </a:solidFill>
-                <a:latin typeface="微软雅黑"/>
-                <a:ea typeface="微软雅黑"/>
-                <a:cs typeface="微软雅黑"/>
-              </a:rPr>
-              <a:t>界面</a:t>
-            </a:r>
-            <a:r>
-              <a:rPr lang="zh-CN" altLang="en-US" sz="1200" b="1" dirty="0" smtClean="0">
-                <a:solidFill>
-                  <a:schemeClr val="tx1">
-                    <a:lumMod val="65000"/>
-                    <a:lumOff val="35000"/>
-                  </a:schemeClr>
-                </a:solidFill>
-                <a:latin typeface="微软雅黑"/>
-                <a:ea typeface="微软雅黑"/>
-                <a:cs typeface="微软雅黑"/>
-              </a:rPr>
-              <a:t>中</a:t>
-            </a:r>
-            <a:r>
-              <a:rPr lang="zh-CN" altLang="en-US" sz="1200" b="1" dirty="0" smtClean="0">
-                <a:solidFill>
-                  <a:schemeClr val="tx1">
-                    <a:lumMod val="65000"/>
-                    <a:lumOff val="35000"/>
-                  </a:schemeClr>
-                </a:solidFill>
-                <a:latin typeface="微软雅黑"/>
-                <a:ea typeface="微软雅黑"/>
-                <a:cs typeface="微软雅黑"/>
-              </a:rPr>
-              <a:t>可</a:t>
-            </a:r>
-            <a:r>
-              <a:rPr lang="zh-CN" altLang="en-US" sz="1200" b="1" dirty="0" smtClean="0">
-                <a:solidFill>
-                  <a:schemeClr val="tx1">
-                    <a:lumMod val="65000"/>
-                    <a:lumOff val="35000"/>
-                  </a:schemeClr>
-                </a:solidFill>
-                <a:latin typeface="微软雅黑"/>
-                <a:ea typeface="微软雅黑"/>
-                <a:cs typeface="微软雅黑"/>
-              </a:rPr>
-              <a:t>看到</a:t>
-            </a:r>
-            <a:r>
-              <a:rPr lang="zh-CN" altLang="en-US" sz="1200" b="1" dirty="0" smtClean="0">
-                <a:solidFill>
-                  <a:schemeClr val="tx1">
-                    <a:lumMod val="65000"/>
-                    <a:lumOff val="35000"/>
-                  </a:schemeClr>
-                </a:solidFill>
-                <a:latin typeface="微软雅黑"/>
-                <a:ea typeface="微软雅黑"/>
-                <a:cs typeface="微软雅黑"/>
-              </a:rPr>
-              <a:t>自己管理的项目，并可进行会议通知</a:t>
-            </a:r>
-            <a:r>
-              <a:rPr lang="zh-CN" altLang="en-US" sz="1200" b="1" dirty="0" smtClean="0">
-                <a:solidFill>
-                  <a:schemeClr val="tx1">
-                    <a:lumMod val="65000"/>
-                    <a:lumOff val="35000"/>
-                  </a:schemeClr>
-                </a:solidFill>
-                <a:latin typeface="微软雅黑"/>
-                <a:ea typeface="微软雅黑"/>
-                <a:cs typeface="微软雅黑"/>
-              </a:rPr>
-              <a:t>的</a:t>
-            </a:r>
-            <a:r>
-              <a:rPr lang="zh-CN" altLang="en-US" sz="1200" b="1" dirty="0" smtClean="0">
-                <a:solidFill>
-                  <a:schemeClr val="tx1">
-                    <a:lumMod val="65000"/>
-                    <a:lumOff val="35000"/>
-                  </a:schemeClr>
-                </a:solidFill>
-                <a:latin typeface="微软雅黑"/>
-                <a:ea typeface="微软雅黑"/>
-                <a:cs typeface="微软雅黑"/>
-              </a:rPr>
-              <a:t>导入与</a:t>
-            </a:r>
-            <a:r>
-              <a:rPr lang="zh-CN" altLang="en-US" sz="1200" b="1" dirty="0" smtClean="0">
-                <a:solidFill>
-                  <a:schemeClr val="tx1">
-                    <a:lumMod val="65000"/>
-                    <a:lumOff val="35000"/>
-                  </a:schemeClr>
-                </a:solidFill>
-                <a:latin typeface="微软雅黑"/>
-                <a:ea typeface="微软雅黑"/>
-                <a:cs typeface="微软雅黑"/>
-              </a:rPr>
-              <a:t>管理</a:t>
-            </a:r>
-            <a:r>
-              <a:rPr lang="zh-CN" altLang="en-US" sz="1200" b="1" dirty="0" smtClean="0">
-                <a:solidFill>
-                  <a:schemeClr val="tx1">
-                    <a:lumMod val="65000"/>
-                    <a:lumOff val="35000"/>
-                  </a:schemeClr>
-                </a:solidFill>
-                <a:latin typeface="微软雅黑"/>
-                <a:ea typeface="微软雅黑"/>
-                <a:cs typeface="微软雅黑"/>
-              </a:rPr>
-              <a:t>。</a:t>
+              <a:t>左侧菜单中点击“会议通知导入”，右面界面中可看到自己管理的项目，并可进行会议通知的导入与管理。</a:t>
             </a:r>
             <a:endParaRPr lang="en-US" altLang="zh-CN" sz="1200" b="1" dirty="0">
               <a:solidFill>
@@ -22447,20 +21578,7 @@
                 <a:latin typeface="Impact" pitchFamily="34" charset="0"/>
                 <a:ea typeface="微软雅黑" pitchFamily="34" charset="-122"/>
               </a:rPr>
-              <a:t> 会议通知</a:t>
-            </a:r>
-            <a:r>
-              <a:rPr lang="zh-CN" altLang="en-US" sz="2400" dirty="0" smtClean="0">
-                <a:solidFill>
-                  <a:schemeClr val="tx1">
-                    <a:lumMod val="75000"/>
-                    <a:lumOff val="25000"/>
-                  </a:schemeClr>
-                </a:solidFill>
-                <a:latin typeface="Impact" pitchFamily="34" charset="0"/>
-                <a:ea typeface="微软雅黑" pitchFamily="34" charset="-122"/>
-              </a:rPr>
-              <a:t>的导入</a:t>
+              <a:t> 会议通知的导入</a:t>
             </a:r>
             <a:endParaRPr lang="zh-CN" altLang="en-US" sz="2400" dirty="0">
               <a:solidFill>
@@ -22636,161 +21754,7 @@
                 <a:ea typeface="微软雅黑"/>
                 <a:cs typeface="微软雅黑"/>
               </a:rPr>
-              <a:t>点击</a:t>
-            </a:r>
-            <a:r>
-              <a:rPr lang="zh-CN" altLang="en-US" sz="1200" b="1" dirty="0" smtClean="0">
-                <a:solidFill>
-                  <a:schemeClr val="tx1">
-                    <a:lumMod val="65000"/>
-                    <a:lumOff val="35000"/>
-                  </a:schemeClr>
-                </a:solidFill>
-                <a:latin typeface="微软雅黑"/>
-                <a:ea typeface="微软雅黑"/>
-                <a:cs typeface="微软雅黑"/>
-              </a:rPr>
-              <a:t>某个项目后的“导入会议通知”按钮</a:t>
-            </a:r>
-            <a:r>
-              <a:rPr lang="zh-CN" altLang="en-US" sz="1200" b="1" dirty="0" smtClean="0">
-                <a:solidFill>
-                  <a:schemeClr val="tx1">
-                    <a:lumMod val="65000"/>
-                    <a:lumOff val="35000"/>
-                  </a:schemeClr>
-                </a:solidFill>
-                <a:latin typeface="微软雅黑"/>
-                <a:ea typeface="微软雅黑"/>
-                <a:cs typeface="微软雅黑"/>
-              </a:rPr>
-              <a:t>，</a:t>
-            </a:r>
-            <a:r>
-              <a:rPr lang="zh-CN" altLang="en-US" sz="1200" b="1" dirty="0" smtClean="0">
-                <a:solidFill>
-                  <a:schemeClr val="tx1">
-                    <a:lumMod val="65000"/>
-                    <a:lumOff val="35000"/>
-                  </a:schemeClr>
-                </a:solidFill>
-                <a:latin typeface="微软雅黑"/>
-                <a:ea typeface="微软雅黑"/>
-                <a:cs typeface="微软雅黑"/>
-              </a:rPr>
-              <a:t>然后在下面的界面中</a:t>
-            </a:r>
-            <a:r>
-              <a:rPr lang="zh-CN" altLang="en-US" sz="1200" b="1" dirty="0" smtClean="0">
-                <a:solidFill>
-                  <a:schemeClr val="tx1">
-                    <a:lumMod val="65000"/>
-                    <a:lumOff val="35000"/>
-                  </a:schemeClr>
-                </a:solidFill>
-                <a:latin typeface="微软雅黑"/>
-                <a:ea typeface="微软雅黑"/>
-                <a:cs typeface="微软雅黑"/>
-              </a:rPr>
-              <a:t>点击</a:t>
-            </a:r>
-            <a:r>
-              <a:rPr lang="zh-CN" altLang="en-US" sz="1200" b="1" dirty="0" smtClean="0">
-                <a:solidFill>
-                  <a:schemeClr val="tx1">
-                    <a:lumMod val="65000"/>
-                    <a:lumOff val="35000"/>
-                  </a:schemeClr>
-                </a:solidFill>
-                <a:latin typeface="微软雅黑"/>
-                <a:ea typeface="微软雅黑"/>
-                <a:cs typeface="微软雅黑"/>
-              </a:rPr>
-              <a:t>“选择 会议通知”，</a:t>
-            </a:r>
-            <a:r>
-              <a:rPr lang="zh-CN" altLang="en-US" sz="1200" b="1" dirty="0" smtClean="0">
-                <a:solidFill>
-                  <a:schemeClr val="tx1">
-                    <a:lumMod val="65000"/>
-                    <a:lumOff val="35000"/>
-                  </a:schemeClr>
-                </a:solidFill>
-                <a:latin typeface="微软雅黑"/>
-                <a:ea typeface="微软雅黑"/>
-                <a:cs typeface="微软雅黑"/>
-              </a:rPr>
-              <a:t>选择</a:t>
-            </a:r>
-            <a:r>
-              <a:rPr lang="zh-CN" altLang="en-US" sz="1200" b="1" dirty="0" smtClean="0">
-                <a:solidFill>
-                  <a:schemeClr val="tx1">
-                    <a:lumMod val="65000"/>
-                    <a:lumOff val="35000"/>
-                  </a:schemeClr>
-                </a:solidFill>
-                <a:latin typeface="微软雅黑"/>
-                <a:ea typeface="微软雅黑"/>
-                <a:cs typeface="微软雅黑"/>
-              </a:rPr>
-              <a:t>本机上的</a:t>
-            </a:r>
-            <a:r>
-              <a:rPr lang="zh-CN" altLang="en-US" sz="1200" b="1" dirty="0" smtClean="0">
-                <a:solidFill>
-                  <a:schemeClr val="tx1">
-                    <a:lumMod val="65000"/>
-                    <a:lumOff val="35000"/>
-                  </a:schemeClr>
-                </a:solidFill>
-                <a:latin typeface="微软雅黑"/>
-                <a:ea typeface="微软雅黑"/>
-                <a:cs typeface="微软雅黑"/>
-              </a:rPr>
-              <a:t>会议</a:t>
-            </a:r>
-            <a:r>
-              <a:rPr lang="zh-CN" altLang="en-US" sz="1200" b="1" dirty="0" smtClean="0">
-                <a:solidFill>
-                  <a:schemeClr val="tx1">
-                    <a:lumMod val="65000"/>
-                    <a:lumOff val="35000"/>
-                  </a:schemeClr>
-                </a:solidFill>
-                <a:latin typeface="微软雅黑"/>
-                <a:ea typeface="微软雅黑"/>
-                <a:cs typeface="微软雅黑"/>
-              </a:rPr>
-              <a:t>通知文件后，点击“开始导入”即</a:t>
-            </a:r>
-            <a:r>
-              <a:rPr lang="zh-CN" altLang="en-US" sz="1200" b="1" dirty="0" smtClean="0">
-                <a:solidFill>
-                  <a:schemeClr val="tx1">
-                    <a:lumMod val="65000"/>
-                    <a:lumOff val="35000"/>
-                  </a:schemeClr>
-                </a:solidFill>
-                <a:latin typeface="微软雅黑"/>
-                <a:ea typeface="微软雅黑"/>
-                <a:cs typeface="微软雅黑"/>
-              </a:rPr>
-              <a:t>可。</a:t>
-            </a:r>
-            <a:r>
-              <a:rPr lang="zh-CN" altLang="en-US" sz="1200" b="1" dirty="0" smtClean="0">
-                <a:solidFill>
-                  <a:schemeClr val="tx1">
-                    <a:lumMod val="65000"/>
-                    <a:lumOff val="35000"/>
-                  </a:schemeClr>
-                </a:solidFill>
-                <a:latin typeface="微软雅黑"/>
-                <a:ea typeface="微软雅黑"/>
-                <a:cs typeface="微软雅黑"/>
-              </a:rPr>
-              <a:t>导入前，请阅读提示性文字内容。</a:t>
+              <a:t>点击某个项目后的“导入会议通知”按钮，然后在下面的界面中点击“选择 会议通知”，选择本机上的会议通知文件后，点击“开始导入”即可。导入前，请阅读提示性文字内容。</a:t>
             </a:r>
             <a:endParaRPr lang="en-US" altLang="zh-CN" sz="1200" b="1" dirty="0">
               <a:solidFill>
@@ -23048,20 +22012,7 @@
                 <a:latin typeface="Impact" pitchFamily="34" charset="0"/>
                 <a:ea typeface="微软雅黑" pitchFamily="34" charset="-122"/>
               </a:rPr>
-              <a:t> </a:t>
-            </a:r>
-            <a:r>
-              <a:rPr lang="zh-CN" altLang="en-US" sz="2400" dirty="0" smtClean="0">
-                <a:solidFill>
-                  <a:schemeClr val="tx1">
-                    <a:lumMod val="75000"/>
-                    <a:lumOff val="25000"/>
-                  </a:schemeClr>
-                </a:solidFill>
-                <a:latin typeface="Impact" pitchFamily="34" charset="0"/>
-                <a:ea typeface="微软雅黑" pitchFamily="34" charset="-122"/>
-              </a:rPr>
-              <a:t>查阅项目会议通知</a:t>
+              <a:t> 查阅项目会议通知</a:t>
             </a:r>
             <a:endParaRPr lang="zh-CN" altLang="en-US" sz="2400" dirty="0">
               <a:solidFill>
@@ -23237,119 +22188,7 @@
                 <a:ea typeface="微软雅黑"/>
                 <a:cs typeface="微软雅黑"/>
               </a:rPr>
-              <a:t>点击</a:t>
-            </a:r>
-            <a:r>
-              <a:rPr lang="zh-CN" altLang="en-US" sz="1200" b="1" dirty="0" smtClean="0">
-                <a:solidFill>
-                  <a:schemeClr val="tx1">
-                    <a:lumMod val="65000"/>
-                    <a:lumOff val="35000"/>
-                  </a:schemeClr>
-                </a:solidFill>
-                <a:latin typeface="微软雅黑"/>
-                <a:ea typeface="微软雅黑"/>
-                <a:cs typeface="微软雅黑"/>
-              </a:rPr>
-              <a:t>某个项目后面的</a:t>
-            </a:r>
-            <a:r>
-              <a:rPr lang="zh-CN" altLang="en-US" sz="1200" b="1" dirty="0" smtClean="0">
-                <a:solidFill>
-                  <a:schemeClr val="tx1">
-                    <a:lumMod val="65000"/>
-                    <a:lumOff val="35000"/>
-                  </a:schemeClr>
-                </a:solidFill>
-                <a:latin typeface="微软雅黑"/>
-                <a:ea typeface="微软雅黑"/>
-                <a:cs typeface="微软雅黑"/>
-              </a:rPr>
-              <a:t>“</a:t>
-            </a:r>
-            <a:r>
-              <a:rPr lang="zh-CN" altLang="en-US" sz="1200" b="1" dirty="0" smtClean="0">
-                <a:solidFill>
-                  <a:schemeClr val="tx1">
-                    <a:lumMod val="65000"/>
-                    <a:lumOff val="35000"/>
-                  </a:schemeClr>
-                </a:solidFill>
-                <a:latin typeface="微软雅黑"/>
-                <a:ea typeface="微软雅黑"/>
-                <a:cs typeface="微软雅黑"/>
-              </a:rPr>
-              <a:t>查看</a:t>
-            </a:r>
-            <a:r>
-              <a:rPr lang="zh-CN" altLang="en-US" sz="1200" b="1" dirty="0" smtClean="0">
-                <a:solidFill>
-                  <a:schemeClr val="tx1">
-                    <a:lumMod val="65000"/>
-                    <a:lumOff val="35000"/>
-                  </a:schemeClr>
-                </a:solidFill>
-                <a:latin typeface="微软雅黑"/>
-                <a:ea typeface="微软雅黑"/>
-                <a:cs typeface="微软雅黑"/>
-              </a:rPr>
-              <a:t>会议</a:t>
-            </a:r>
-            <a:r>
-              <a:rPr lang="zh-CN" altLang="en-US" sz="1200" b="1" dirty="0" smtClean="0">
-                <a:solidFill>
-                  <a:schemeClr val="tx1">
-                    <a:lumMod val="65000"/>
-                    <a:lumOff val="35000"/>
-                  </a:schemeClr>
-                </a:solidFill>
-                <a:latin typeface="微软雅黑"/>
-                <a:ea typeface="微软雅黑"/>
-                <a:cs typeface="微软雅黑"/>
-              </a:rPr>
-              <a:t>通知”按钮，将下载并打开本项目的会议</a:t>
-            </a:r>
-            <a:r>
-              <a:rPr lang="zh-CN" altLang="en-US" sz="1200" b="1" dirty="0" smtClean="0">
-                <a:solidFill>
-                  <a:schemeClr val="tx1">
-                    <a:lumMod val="65000"/>
-                    <a:lumOff val="35000"/>
-                  </a:schemeClr>
-                </a:solidFill>
-                <a:latin typeface="微软雅黑"/>
-                <a:ea typeface="微软雅黑"/>
-                <a:cs typeface="微软雅黑"/>
-              </a:rPr>
-              <a:t>通知</a:t>
-            </a:r>
-            <a:r>
-              <a:rPr lang="zh-CN" altLang="en-US" sz="1200" b="1" dirty="0" smtClean="0">
-                <a:solidFill>
-                  <a:schemeClr val="tx1">
-                    <a:lumMod val="65000"/>
-                    <a:lumOff val="35000"/>
-                  </a:schemeClr>
-                </a:solidFill>
-                <a:latin typeface="微软雅黑"/>
-                <a:ea typeface="微软雅黑"/>
-                <a:cs typeface="微软雅黑"/>
-              </a:rPr>
-              <a:t>文件</a:t>
-            </a:r>
-            <a:r>
-              <a:rPr lang="zh-CN" altLang="en-US" sz="1200" b="1" dirty="0" smtClean="0">
-                <a:solidFill>
-                  <a:schemeClr val="tx1">
-                    <a:lumMod val="65000"/>
-                    <a:lumOff val="35000"/>
-                  </a:schemeClr>
-                </a:solidFill>
-                <a:latin typeface="微软雅黑"/>
-                <a:ea typeface="微软雅黑"/>
-                <a:cs typeface="微软雅黑"/>
-              </a:rPr>
-              <a:t>。</a:t>
+              <a:t>点击某个项目后面的“查看会议通知”按钮，将下载并打开本项目的会议通知文件。</a:t>
             </a:r>
             <a:endParaRPr lang="en-US" altLang="zh-CN" sz="1200" b="1" dirty="0">
               <a:solidFill>
